--- a/_Presentation/Presentation.pptx
+++ b/_Presentation/Presentation.pptx
@@ -124,6 +124,11 @@
       </a:defRPr>
     </a:lvl9pPr>
   </p:defaultTextStyle>
+  <p:extLst>
+    <p:ext uri="{EFAFB233-063F-42B5-8137-9DF3F51BA10A}">
+      <p15:sldGuideLst xmlns:p15="http://schemas.microsoft.com/office/powerpoint/2012/main"/>
+    </p:ext>
+  </p:extLst>
 </p:presentation>
 </file>
 
@@ -2809,7 +2814,7 @@
                   </a:schemeClr>
                 </a:solidFill>
               </a:rPr>
-              <a:t>We can have one class that represents every weapon in the game</a:t>
+              <a:t>We just have one single class that represents every weapon in the game</a:t>
             </a:r>
           </a:p>
           <a:p>
@@ -2872,6 +2877,36 @@
           <a:xfrm>
             <a:off x="7321826" y="1339056"/>
             <a:ext cx="4663844" cy="2568163"/>
+          </a:xfrm>
+          <a:prstGeom prst="rect">
+            <a:avLst/>
+          </a:prstGeom>
+        </p:spPr>
+      </p:pic>
+      <p:pic>
+        <p:nvPicPr>
+          <p:cNvPr id="6" name="Picture 5">
+            <a:extLst>
+              <a:ext uri="{FF2B5EF4-FFF2-40B4-BE49-F238E27FC236}">
+                <a16:creationId xmlns:a16="http://schemas.microsoft.com/office/drawing/2014/main" id="{9492CF25-CAF7-4A2C-A2D8-22160E0E4C99}"/>
+              </a:ext>
+            </a:extLst>
+          </p:cNvPr>
+          <p:cNvPicPr>
+            <a:picLocks noChangeAspect="1"/>
+          </p:cNvPicPr>
+          <p:nvPr/>
+        </p:nvPicPr>
+        <p:blipFill>
+          <a:blip r:embed="rId3"/>
+          <a:stretch>
+            <a:fillRect/>
+          </a:stretch>
+        </p:blipFill>
+        <p:spPr>
+          <a:xfrm>
+            <a:off x="7498380" y="4474585"/>
+            <a:ext cx="4172532" cy="285790"/>
           </a:xfrm>
           <a:prstGeom prst="rect">
             <a:avLst/>
@@ -3058,7 +3093,26 @@
                   </a:schemeClr>
                 </a:solidFill>
               </a:rPr>
-              <a:t>To modify the behaviour each weapon instance, I use </a:t>
+              <a:t>Incredibly modular</a:t>
+            </a:r>
+          </a:p>
+          <a:p>
+            <a:pPr marL="285750" indent="-285750">
+              <a:lnSpc>
+                <a:spcPct val="150000"/>
+              </a:lnSpc>
+              <a:buFont typeface="Arial" panose="020B0604020202020204" pitchFamily="34" charset="0"/>
+              <a:buChar char="•"/>
+            </a:pPr>
+            <a:r>
+              <a:rPr lang="en-DK" sz="1600" dirty="0">
+                <a:solidFill>
+                  <a:schemeClr val="tx1">
+                    <a:lumMod val="95000"/>
+                  </a:schemeClr>
+                </a:solidFill>
+              </a:rPr>
+              <a:t>To modify the behaviour of a weapon instance, I use </a:t>
             </a:r>
             <a:r>
               <a:rPr lang="en-DK" sz="1600" dirty="0" err="1">
@@ -3634,16 +3688,15 @@
           </p:cNvPicPr>
           <p:nvPr/>
         </p:nvPicPr>
-        <p:blipFill>
+        <p:blipFill rotWithShape="1">
           <a:blip r:embed="rId2"/>
-          <a:stretch>
-            <a:fillRect/>
-          </a:stretch>
+          <a:srcRect b="19017"/>
+          <a:stretch/>
         </p:blipFill>
         <p:spPr>
           <a:xfrm>
-            <a:off x="5824331" y="759104"/>
-            <a:ext cx="6173061" cy="2924583"/>
+            <a:off x="5824331" y="1299127"/>
+            <a:ext cx="6173061" cy="2368409"/>
           </a:xfrm>
           <a:prstGeom prst="rect">
             <a:avLst/>
@@ -3672,7 +3725,7 @@
         </p:blipFill>
         <p:spPr>
           <a:xfrm>
-            <a:off x="5824331" y="4174018"/>
+            <a:off x="5824331" y="4160766"/>
             <a:ext cx="5963482" cy="1733792"/>
           </a:xfrm>
           <a:prstGeom prst="rect">
@@ -4485,11 +4538,13 @@
         <p:spPr>
           <a:xfrm>
             <a:off x="1079499" y="1790700"/>
-            <a:ext cx="10893839" cy="3978275"/>
+            <a:ext cx="10893839" cy="4490830"/>
           </a:xfrm>
         </p:spPr>
         <p:txBody>
-          <a:bodyPr/>
+          <a:bodyPr>
+            <a:normAutofit/>
+          </a:bodyPr>
           <a:lstStyle/>
           <a:p>
             <a:pPr marL="285750" indent="-285750">
@@ -4602,47 +4657,20 @@
                   </a:schemeClr>
                 </a:solidFill>
               </a:rPr>
-              <a:t>Or worse, not being able to understand your code!</a:t>
-            </a:r>
-          </a:p>
-          <a:p>
-            <a:pPr marL="285750" indent="-285750">
-              <a:lnSpc>
-                <a:spcPct val="150000"/>
-              </a:lnSpc>
-              <a:buFont typeface="Arial" panose="020B0604020202020204" pitchFamily="34" charset="0"/>
-              <a:buChar char="•"/>
-            </a:pPr>
-            <a:r>
-              <a:rPr lang="en-DK" sz="1600" dirty="0">
-                <a:solidFill>
-                  <a:schemeClr val="tx1">
-                    <a:lumMod val="95000"/>
-                  </a:schemeClr>
-                </a:solidFill>
-              </a:rPr>
-              <a:t>Programmers should design with maintainability and readability in mind</a:t>
-            </a:r>
-          </a:p>
-          <a:p>
-            <a:pPr marL="285750" indent="-285750">
-              <a:lnSpc>
-                <a:spcPct val="150000"/>
-              </a:lnSpc>
-              <a:buFont typeface="Arial" panose="020B0604020202020204" pitchFamily="34" charset="0"/>
-              <a:buChar char="•"/>
-            </a:pPr>
-            <a:r>
-              <a:rPr lang="en-DK" sz="1600" dirty="0">
-                <a:solidFill>
-                  <a:schemeClr val="tx1">
-                    <a:lumMod val="95000"/>
-                  </a:schemeClr>
-                </a:solidFill>
-              </a:rPr>
-              <a:t>Can you use a hybrid solution? (Both In</a:t>
-            </a:r>
-            <a:endParaRPr lang="da-DK" sz="1600" dirty="0">
+              <a:t>Or worse, not being able to understand your code! (Discouraging </a:t>
+            </a:r>
+            <a:r>
+              <a:rPr lang="en-DK" sz="1600" dirty="0">
+                <a:solidFill>
+                  <a:schemeClr val="tx1">
+                    <a:lumMod val="95000"/>
+                  </a:schemeClr>
+                </a:solidFill>
+                <a:sym typeface="Wingdings" panose="05000000000000000000" pitchFamily="2" charset="2"/>
+              </a:rPr>
+              <a:t>)</a:t>
+            </a:r>
+            <a:endParaRPr lang="en-DK" sz="1600" dirty="0">
               <a:solidFill>
                 <a:schemeClr val="tx1">
                   <a:lumMod val="95000"/>
@@ -4658,13 +4686,35 @@
               <a:buFont typeface="Arial" panose="020B0604020202020204" pitchFamily="34" charset="0"/>
               <a:buChar char="•"/>
             </a:pPr>
-            <a:endParaRPr lang="da-DK" sz="1600" dirty="0">
-              <a:solidFill>
-                <a:schemeClr val="tx1">
-                  <a:lumMod val="95000"/>
-                </a:schemeClr>
-              </a:solidFill>
-            </a:endParaRPr>
+            <a:r>
+              <a:rPr lang="en-DK" sz="1600" dirty="0">
+                <a:solidFill>
+                  <a:schemeClr val="tx1">
+                    <a:lumMod val="95000"/>
+                  </a:schemeClr>
+                </a:solidFill>
+              </a:rPr>
+              <a:t>Programmers should design with maintainability and readability in mind</a:t>
+            </a:r>
+          </a:p>
+          <a:p>
+            <a:pPr marL="285750" indent="-285750">
+              <a:lnSpc>
+                <a:spcPct val="150000"/>
+              </a:lnSpc>
+              <a:buFont typeface="Arial" panose="020B0604020202020204" pitchFamily="34" charset="0"/>
+              <a:buChar char="•"/>
+            </a:pPr>
+            <a:r>
+              <a:rPr lang="en-DK" sz="1600" dirty="0">
+                <a:solidFill>
+                  <a:schemeClr val="tx1">
+                    <a:lumMod val="95000"/>
+                  </a:schemeClr>
+                </a:solidFill>
+              </a:rPr>
+              <a:t>For that reason, I can highly recommend working with composition</a:t>
+            </a:r>
           </a:p>
         </p:txBody>
       </p:sp>
@@ -6125,7 +6175,7 @@
                   </a:schemeClr>
                 </a:solidFill>
               </a:rPr>
-              <a:t>Inheritance is not very flexible because of it’s statically nature</a:t>
+              <a:t>Inheritance is not very flexible because it’s static in nature</a:t>
             </a:r>
           </a:p>
           <a:p>
@@ -7066,25 +7116,6 @@
               <a:t>Change was necessary, began exploring different solutions</a:t>
             </a:r>
           </a:p>
-          <a:p>
-            <a:pPr marL="285750" indent="-285750">
-              <a:lnSpc>
-                <a:spcPct val="150000"/>
-              </a:lnSpc>
-              <a:buFont typeface="Arial" panose="020B0604020202020204" pitchFamily="34" charset="0"/>
-              <a:buChar char="•"/>
-            </a:pPr>
-            <a:r>
-              <a:rPr lang="en-DK" sz="1600" dirty="0">
-                <a:solidFill>
-                  <a:schemeClr val="tx1">
-                    <a:lumMod val="95000"/>
-                  </a:schemeClr>
-                </a:solidFill>
-              </a:rPr>
-              <a:t>“The Flaws of Inheritance”</a:t>
-            </a:r>
-          </a:p>
         </p:txBody>
       </p:sp>
       <p:pic>
@@ -7111,36 +7142,6 @@
           <a:xfrm>
             <a:off x="7510064" y="2276314"/>
             <a:ext cx="4420217" cy="1152686"/>
-          </a:xfrm>
-          <a:prstGeom prst="rect">
-            <a:avLst/>
-          </a:prstGeom>
-        </p:spPr>
-      </p:pic>
-      <p:pic>
-        <p:nvPicPr>
-          <p:cNvPr id="7" name="Picture 6">
-            <a:extLst>
-              <a:ext uri="{FF2B5EF4-FFF2-40B4-BE49-F238E27FC236}">
-                <a16:creationId xmlns:a16="http://schemas.microsoft.com/office/drawing/2014/main" id="{BBCBFA14-491D-4C19-A033-553D50D8AB44}"/>
-              </a:ext>
-            </a:extLst>
-          </p:cNvPr>
-          <p:cNvPicPr>
-            <a:picLocks noChangeAspect="1"/>
-          </p:cNvPicPr>
-          <p:nvPr/>
-        </p:nvPicPr>
-        <p:blipFill>
-          <a:blip r:embed="rId3"/>
-          <a:stretch>
-            <a:fillRect/>
-          </a:stretch>
-        </p:blipFill>
-        <p:spPr>
-          <a:xfrm>
-            <a:off x="7510064" y="3429000"/>
-            <a:ext cx="4429686" cy="2417762"/>
           </a:xfrm>
           <a:prstGeom prst="rect">
             <a:avLst/>
